--- a/Präsi/SW7_PMDS.pptx
+++ b/Präsi/SW7_PMDS.pptx
@@ -9321,7 +9321,7 @@
           <a:p>
             <a:r>
               <a:rPr lang="de-DE" dirty="0"/>
-              <a:t>Die CMR wird dann folgend interpretiert: Nach Kontrolle der störenden Auswirkungen des Alters ist die Sterblichkeit im Jahr 2020 um 35 % höher als im Jahr 2019.</a:t>
+              <a:t>Die CMR wird dann folgend interpretiert: Nach Kontrolle der störenden Auswirkungen des Alters, liegt die Sterblichkeit im Jahr 2020 um 35 % höher als im Jahr 2019.</a:t>
             </a:r>
           </a:p>
         </p:txBody>
@@ -13847,7 +13847,7 @@
           <a:p>
             <a:r>
               <a:rPr lang="de-DE" sz="1600" dirty="0"/>
-              <a:t>Aus den altersbereinigten Daten könnte man schließend Corona sei fast so tödlich wie die Grippewelle 2019  </a:t>
+              <a:t>Aus den altersbereinigten Daten könnte man schließen Corona sei fast so tödlich wie die Grippewelle 2019.  </a:t>
             </a:r>
           </a:p>
           <a:p>
@@ -14525,14 +14525,27 @@
           <a:p>
             <a:r>
               <a:rPr lang="de-DE" dirty="0"/>
-              <a:t>Altersbereinigte Daten müssen noch </a:t>
+              <a:t>Altersbereinigte Daten </a:t>
             </a:r>
             <a:r>
               <a:rPr lang="de-DE" b="0" i="0" dirty="0">
                 <a:effectLst/>
                 <a:latin typeface="Bembo" panose="02020502050201020203" pitchFamily="18" charset="0"/>
               </a:rPr>
-              <a:t>Kalenderjahr Adjustierung</a:t>
+              <a:t>Kalenderjahr </a:t>
+            </a:r>
+            <a:r>
+              <a:rPr lang="de-DE" dirty="0">
+                <a:latin typeface="Bembo" panose="02020502050201020203" pitchFamily="18" charset="0"/>
+              </a:rPr>
+              <a:t>a</a:t>
+            </a:r>
+            <a:r>
+              <a:rPr lang="de-DE" b="0" i="0" dirty="0">
+                <a:effectLst/>
+                <a:latin typeface="Bembo" panose="02020502050201020203" pitchFamily="18" charset="0"/>
+              </a:rPr>
+              <a:t>djustieren</a:t>
             </a:r>
           </a:p>
           <a:p>
@@ -19476,7 +19489,7 @@
         <p:spPr>
           <a:xfrm>
             <a:off x="1345653" y="5304030"/>
-            <a:ext cx="5486400" cy="1477328"/>
+            <a:ext cx="5486400" cy="1661993"/>
           </a:xfrm>
           <a:prstGeom prst="rect">
             <a:avLst/>
@@ -19490,7 +19503,7 @@
           <a:lstStyle/>
           <a:p>
             <a:r>
-              <a:rPr lang="de-DE" sz="1200" dirty="0">
+              <a:rPr lang="de-DE" sz="1400" dirty="0">
                 <a:latin typeface="Bembo" panose="02020502050201020203" pitchFamily="18" charset="0"/>
               </a:rPr>
               <a:t>Abs = Altersbereinigte Sterberate</a:t>
@@ -19498,7 +19511,7 @@
           </a:p>
           <a:p>
             <a:r>
-              <a:rPr lang="de-DE" sz="1200" dirty="0">
+              <a:rPr lang="de-DE" sz="1400" dirty="0">
                 <a:latin typeface="Bembo" panose="02020502050201020203" pitchFamily="18" charset="0"/>
               </a:rPr>
               <a:t>ASX = Anzahl Personen der Standardbevölkerung in Altersgruppe x</a:t>
@@ -19506,20 +19519,20 @@
           </a:p>
           <a:p>
             <a:r>
-              <a:rPr lang="de-DE" sz="1200" dirty="0" err="1">
+              <a:rPr lang="de-DE" sz="1400" dirty="0" err="1">
                 <a:latin typeface="Bembo" panose="02020502050201020203" pitchFamily="18" charset="0"/>
               </a:rPr>
               <a:t>subx</a:t>
             </a:r>
             <a:r>
-              <a:rPr lang="de-DE" sz="1200" dirty="0">
+              <a:rPr lang="de-DE" sz="1400" dirty="0">
                 <a:latin typeface="Bembo" panose="02020502050201020203" pitchFamily="18" charset="0"/>
               </a:rPr>
               <a:t> = Sterberate untersuchte Bevölkerung in Altersgruppe x </a:t>
             </a:r>
           </a:p>
           <a:p>
-            <a:endParaRPr lang="de-DE" sz="1200" dirty="0">
+            <a:endParaRPr lang="de-DE" sz="1400" dirty="0">
               <a:latin typeface="Bembo" panose="02020502050201020203" pitchFamily="18" charset="0"/>
             </a:endParaRPr>
           </a:p>
@@ -19531,7 +19544,7 @@
               <a:buSzPts val="1100"/>
             </a:pPr>
             <a:r>
-              <a:rPr lang="de-DE" sz="1200" dirty="0">
+              <a:rPr lang="de-DE" sz="1400" dirty="0">
                 <a:solidFill>
                   <a:schemeClr val="dk1"/>
                 </a:solidFill>
@@ -19539,13 +19552,13 @@
               </a:rPr>
               <a:t>große Buchstaben = Standardbevölkerung</a:t>
             </a:r>
-            <a:endParaRPr lang="de-DE" sz="1200" dirty="0">
+            <a:endParaRPr lang="de-DE" sz="1400" dirty="0">
               <a:latin typeface="Bembo" panose="02020502050201020203" pitchFamily="18" charset="0"/>
             </a:endParaRPr>
           </a:p>
           <a:p>
             <a:r>
-              <a:rPr lang="de-DE" sz="1200" dirty="0">
+              <a:rPr lang="de-DE" sz="1400" dirty="0">
                 <a:latin typeface="Bembo" panose="02020502050201020203" pitchFamily="18" charset="0"/>
               </a:rPr>
               <a:t>kleine Buchstaben = untersuchte Bevölkerung</a:t>
